--- a/60 - Simulator/session SLAM v0.06.pptx
+++ b/60 - Simulator/session SLAM v0.06.pptx
@@ -336,7 +336,7 @@
             <a:fld id="{1D8BD707-D9CF-40AE-B4C6-C98DA3205C09}" type="datetimeFigureOut">
               <a:rPr lang="en-US" smtClean="0"/>
               <a:pPr/>
-              <a:t>11/7/2019</a:t>
+              <a:t>11/22/2019</a:t>
             </a:fld>
             <a:endParaRPr lang="en-US"/>
           </a:p>
@@ -501,7 +501,7 @@
             <a:fld id="{1D8BD707-D9CF-40AE-B4C6-C98DA3205C09}" type="datetimeFigureOut">
               <a:rPr lang="en-US" smtClean="0"/>
               <a:pPr/>
-              <a:t>11/7/2019</a:t>
+              <a:t>11/22/2019</a:t>
             </a:fld>
             <a:endParaRPr lang="en-US"/>
           </a:p>
@@ -676,7 +676,7 @@
             <a:fld id="{1D8BD707-D9CF-40AE-B4C6-C98DA3205C09}" type="datetimeFigureOut">
               <a:rPr lang="en-US" smtClean="0"/>
               <a:pPr/>
-              <a:t>11/7/2019</a:t>
+              <a:t>11/22/2019</a:t>
             </a:fld>
             <a:endParaRPr lang="en-US"/>
           </a:p>
@@ -841,7 +841,7 @@
             <a:fld id="{1D8BD707-D9CF-40AE-B4C6-C98DA3205C09}" type="datetimeFigureOut">
               <a:rPr lang="en-US" smtClean="0"/>
               <a:pPr/>
-              <a:t>11/7/2019</a:t>
+              <a:t>11/22/2019</a:t>
             </a:fld>
             <a:endParaRPr lang="en-US"/>
           </a:p>
@@ -1083,7 +1083,7 @@
             <a:fld id="{1D8BD707-D9CF-40AE-B4C6-C98DA3205C09}" type="datetimeFigureOut">
               <a:rPr lang="en-US" smtClean="0"/>
               <a:pPr/>
-              <a:t>11/7/2019</a:t>
+              <a:t>11/22/2019</a:t>
             </a:fld>
             <a:endParaRPr lang="en-US"/>
           </a:p>
@@ -1365,7 +1365,7 @@
             <a:fld id="{1D8BD707-D9CF-40AE-B4C6-C98DA3205C09}" type="datetimeFigureOut">
               <a:rPr lang="en-US" smtClean="0"/>
               <a:pPr/>
-              <a:t>11/7/2019</a:t>
+              <a:t>11/22/2019</a:t>
             </a:fld>
             <a:endParaRPr lang="en-US"/>
           </a:p>
@@ -1781,7 +1781,7 @@
             <a:fld id="{1D8BD707-D9CF-40AE-B4C6-C98DA3205C09}" type="datetimeFigureOut">
               <a:rPr lang="en-US" smtClean="0"/>
               <a:pPr/>
-              <a:t>11/7/2019</a:t>
+              <a:t>11/22/2019</a:t>
             </a:fld>
             <a:endParaRPr lang="en-US"/>
           </a:p>
@@ -1895,7 +1895,7 @@
             <a:fld id="{1D8BD707-D9CF-40AE-B4C6-C98DA3205C09}" type="datetimeFigureOut">
               <a:rPr lang="en-US" smtClean="0"/>
               <a:pPr/>
-              <a:t>11/7/2019</a:t>
+              <a:t>11/22/2019</a:t>
             </a:fld>
             <a:endParaRPr lang="en-US"/>
           </a:p>
@@ -1987,7 +1987,7 @@
             <a:fld id="{1D8BD707-D9CF-40AE-B4C6-C98DA3205C09}" type="datetimeFigureOut">
               <a:rPr lang="en-US" smtClean="0"/>
               <a:pPr/>
-              <a:t>11/7/2019</a:t>
+              <a:t>11/22/2019</a:t>
             </a:fld>
             <a:endParaRPr lang="en-US"/>
           </a:p>
@@ -2259,7 +2259,7 @@
             <a:fld id="{1D8BD707-D9CF-40AE-B4C6-C98DA3205C09}" type="datetimeFigureOut">
               <a:rPr lang="en-US" smtClean="0"/>
               <a:pPr/>
-              <a:t>11/7/2019</a:t>
+              <a:t>11/22/2019</a:t>
             </a:fld>
             <a:endParaRPr lang="en-US"/>
           </a:p>
@@ -2508,7 +2508,7 @@
             <a:fld id="{1D8BD707-D9CF-40AE-B4C6-C98DA3205C09}" type="datetimeFigureOut">
               <a:rPr lang="en-US" smtClean="0"/>
               <a:pPr/>
-              <a:t>11/7/2019</a:t>
+              <a:t>11/22/2019</a:t>
             </a:fld>
             <a:endParaRPr lang="en-US"/>
           </a:p>
@@ -2716,7 +2716,7 @@
             <a:fld id="{1D8BD707-D9CF-40AE-B4C6-C98DA3205C09}" type="datetimeFigureOut">
               <a:rPr lang="en-US" smtClean="0"/>
               <a:pPr/>
-              <a:t>11/7/2019</a:t>
+              <a:t>11/22/2019</a:t>
             </a:fld>
             <a:endParaRPr lang="en-US"/>
           </a:p>
@@ -7584,6 +7584,12 @@
           </a:p>
           <a:p>
             <a:r>
+              <a:rPr lang="fr-FR"/>
+              <a:t>EKF DR-IMU-GPS</a:t>
+            </a:r>
+          </a:p>
+          <a:p>
+            <a:r>
               <a:rPr lang="fr-FR" dirty="0"/>
               <a:t>Autres ?</a:t>
             </a:r>
@@ -7726,7 +7732,7 @@
         <p:spPr/>
         <p:txBody>
           <a:bodyPr>
-            <a:normAutofit fontScale="77500" lnSpcReduction="20000"/>
+            <a:normAutofit fontScale="85000" lnSpcReduction="20000"/>
           </a:bodyPr>
           <a:lstStyle/>
           <a:p>
@@ -7752,7 +7758,7 @@
                   <a:srgbClr val="00B050"/>
                 </a:solidFill>
               </a:rPr>
-              <a:t> #2 avec LIDAR et </a:t>
+              <a:t> #2 avec </a:t>
             </a:r>
             <a:r>
               <a:rPr lang="fr-FR" dirty="0" err="1">
@@ -7762,46 +7768,37 @@
               </a:rPr>
               <a:t>Rpi</a:t>
             </a:r>
-            <a:endParaRPr lang="fr-FR" dirty="0">
-              <a:solidFill>
-                <a:srgbClr val="00B050"/>
-              </a:solidFill>
-            </a:endParaRPr>
-          </a:p>
-          <a:p>
             <a:r>
               <a:rPr lang="fr-FR" dirty="0">
                 <a:solidFill>
                   <a:srgbClr val="00B050"/>
                 </a:solidFill>
               </a:rPr>
-              <a:t>Equiper </a:t>
-            </a:r>
-            <a:r>
-              <a:rPr lang="fr-FR" dirty="0" err="1">
-                <a:solidFill>
-                  <a:srgbClr val="00B050"/>
-                </a:solidFill>
-              </a:rPr>
-              <a:t>neunoeil</a:t>
+              <a:t>, IMU, LIDAR et GPS</a:t>
+            </a:r>
+          </a:p>
+          <a:p>
+            <a:endParaRPr lang="fr-FR" dirty="0"/>
+          </a:p>
+          <a:p>
+            <a:r>
+              <a:rPr lang="fr-FR" dirty="0"/>
+              <a:t>Valider l’odométrie basique et caractériser l’erreur obtenue par des essais en extérieur</a:t>
+            </a:r>
+          </a:p>
+          <a:p>
+            <a:pPr lvl="1"/>
+            <a:r>
+              <a:rPr lang="fr-FR" dirty="0"/>
+              <a:t>Variance de tous les capteurs </a:t>
             </a:r>
             <a:r>
               <a:rPr lang="fr-FR" dirty="0">
-                <a:solidFill>
-                  <a:srgbClr val="00B050"/>
-                </a:solidFill>
-              </a:rPr>
-              <a:t> #2 avec une IMU (commandée)</a:t>
-            </a:r>
-          </a:p>
-          <a:p>
+                <a:sym typeface="Wingdings" panose="05000000000000000000" pitchFamily="2" charset="2"/>
+              </a:rPr>
+              <a:t> EKF</a:t>
+            </a:r>
             <a:endParaRPr lang="fr-FR" dirty="0"/>
-          </a:p>
-          <a:p>
-            <a:r>
-              <a:rPr lang="fr-FR" dirty="0"/>
-              <a:t>Valider l’odométrie basique et caractériser l’erreur obtenue par des essais en extérieur</a:t>
-            </a:r>
           </a:p>
           <a:p>
             <a:r>
